--- a/Presentation.pptx
+++ b/Presentation.pptx
@@ -115,6 +115,11 @@
       </a:defRPr>
     </a:lvl9pPr>
   </p:defaultTextStyle>
+  <p:extLst>
+    <p:ext uri="{EFAFB233-063F-42B5-8137-9DF3F51BA10A}">
+      <p15:sldGuideLst xmlns:p15="http://schemas.microsoft.com/office/powerpoint/2012/main"/>
+    </p:ext>
+  </p:extLst>
 </p:presentation>
 </file>
 
@@ -5899,10 +5904,97 @@
               <a:rPr lang="fr-CA" dirty="0"/>
               <a:t>Par François Beaulieu</a:t>
             </a:r>
+            <a:br>
+              <a:rPr lang="fr-CA" dirty="0"/>
+            </a:br>
+            <a:r>
+              <a:rPr lang="fr-CA" dirty="0"/>
+              <a:t>Étudiant 1</a:t>
+            </a:r>
+            <a:r>
+              <a:rPr lang="fr-CA" baseline="30000" dirty="0"/>
+              <a:t>er</a:t>
+            </a:r>
+            <a:r>
+              <a:rPr lang="fr-CA" dirty="0"/>
+              <a:t> Cycle en Informatique</a:t>
+            </a:r>
             <a:endParaRPr lang="en-CA" dirty="0"/>
           </a:p>
         </p:txBody>
       </p:sp>
+      <p:pic>
+        <p:nvPicPr>
+          <p:cNvPr id="5" name="Image 4">
+            <a:extLst>
+              <a:ext uri="{FF2B5EF4-FFF2-40B4-BE49-F238E27FC236}">
+                <a16:creationId xmlns:a16="http://schemas.microsoft.com/office/drawing/2014/main" id="{EE4C2FBC-C5EE-44B4-90E9-153C28E1FEAD}"/>
+              </a:ext>
+            </a:extLst>
+          </p:cNvPr>
+          <p:cNvPicPr>
+            <a:picLocks noChangeAspect="1"/>
+          </p:cNvPicPr>
+          <p:nvPr/>
+        </p:nvPicPr>
+        <p:blipFill>
+          <a:blip r:embed="rId2">
+            <a:extLst>
+              <a:ext uri="{28A0092B-C50C-407E-A947-70E740481C1C}">
+                <a14:useLocalDpi xmlns:a14="http://schemas.microsoft.com/office/drawing/2010/main" val="0"/>
+              </a:ext>
+            </a:extLst>
+          </a:blip>
+          <a:stretch>
+            <a:fillRect/>
+          </a:stretch>
+        </p:blipFill>
+        <p:spPr>
+          <a:xfrm>
+            <a:off x="556156" y="4355872"/>
+            <a:ext cx="4577820" cy="2005086"/>
+          </a:xfrm>
+          <a:prstGeom prst="rect">
+            <a:avLst/>
+          </a:prstGeom>
+        </p:spPr>
+      </p:pic>
+      <p:pic>
+        <p:nvPicPr>
+          <p:cNvPr id="7" name="Image 6">
+            <a:extLst>
+              <a:ext uri="{FF2B5EF4-FFF2-40B4-BE49-F238E27FC236}">
+                <a16:creationId xmlns:a16="http://schemas.microsoft.com/office/drawing/2014/main" id="{F00FACE7-F5B9-463F-959E-272FE135297E}"/>
+              </a:ext>
+            </a:extLst>
+          </p:cNvPr>
+          <p:cNvPicPr>
+            <a:picLocks noChangeAspect="1"/>
+          </p:cNvPicPr>
+          <p:nvPr/>
+        </p:nvPicPr>
+        <p:blipFill>
+          <a:blip r:embed="rId3">
+            <a:extLst>
+              <a:ext uri="{28A0092B-C50C-407E-A947-70E740481C1C}">
+                <a14:useLocalDpi xmlns:a14="http://schemas.microsoft.com/office/drawing/2010/main" val="0"/>
+              </a:ext>
+            </a:extLst>
+          </a:blip>
+          <a:stretch>
+            <a:fillRect/>
+          </a:stretch>
+        </p:blipFill>
+        <p:spPr>
+          <a:xfrm>
+            <a:off x="556155" y="210738"/>
+            <a:ext cx="1868212" cy="1096900"/>
+          </a:xfrm>
+          <a:prstGeom prst="rect">
+            <a:avLst/>
+          </a:prstGeom>
+        </p:spPr>
+      </p:pic>
     </p:spTree>
     <p:extLst>
       <p:ext uri="{BB962C8B-B14F-4D97-AF65-F5344CB8AC3E}">
@@ -5994,6 +6086,42 @@
           <a:xfrm>
             <a:off x="2201495" y="1375119"/>
             <a:ext cx="5916138" cy="4687141"/>
+          </a:xfrm>
+          <a:prstGeom prst="rect">
+            <a:avLst/>
+          </a:prstGeom>
+        </p:spPr>
+      </p:pic>
+      <p:pic>
+        <p:nvPicPr>
+          <p:cNvPr id="4" name="Image 3">
+            <a:extLst>
+              <a:ext uri="{FF2B5EF4-FFF2-40B4-BE49-F238E27FC236}">
+                <a16:creationId xmlns:a16="http://schemas.microsoft.com/office/drawing/2014/main" id="{7EFAAF94-D97F-426A-9258-5A9C8C5C8663}"/>
+              </a:ext>
+            </a:extLst>
+          </p:cNvPr>
+          <p:cNvPicPr>
+            <a:picLocks noChangeAspect="1"/>
+          </p:cNvPicPr>
+          <p:nvPr/>
+        </p:nvPicPr>
+        <p:blipFill>
+          <a:blip r:embed="rId3">
+            <a:extLst>
+              <a:ext uri="{28A0092B-C50C-407E-A947-70E740481C1C}">
+                <a14:useLocalDpi xmlns:a14="http://schemas.microsoft.com/office/drawing/2010/main" val="0"/>
+              </a:ext>
+            </a:extLst>
+          </a:blip>
+          <a:stretch>
+            <a:fillRect/>
+          </a:stretch>
+        </p:blipFill>
+        <p:spPr>
+          <a:xfrm>
+            <a:off x="677334" y="5958682"/>
+            <a:ext cx="1065741" cy="625738"/>
           </a:xfrm>
           <a:prstGeom prst="rect">
             <a:avLst/>
@@ -6093,6 +6221,42 @@
           </a:p>
         </p:txBody>
       </p:sp>
+      <p:pic>
+        <p:nvPicPr>
+          <p:cNvPr id="4" name="Image 3">
+            <a:extLst>
+              <a:ext uri="{FF2B5EF4-FFF2-40B4-BE49-F238E27FC236}">
+                <a16:creationId xmlns:a16="http://schemas.microsoft.com/office/drawing/2014/main" id="{6CB14225-A32E-4770-8441-4F7C694F51A3}"/>
+              </a:ext>
+            </a:extLst>
+          </p:cNvPr>
+          <p:cNvPicPr>
+            <a:picLocks noChangeAspect="1"/>
+          </p:cNvPicPr>
+          <p:nvPr/>
+        </p:nvPicPr>
+        <p:blipFill>
+          <a:blip r:embed="rId2">
+            <a:extLst>
+              <a:ext uri="{28A0092B-C50C-407E-A947-70E740481C1C}">
+                <a14:useLocalDpi xmlns:a14="http://schemas.microsoft.com/office/drawing/2010/main" val="0"/>
+              </a:ext>
+            </a:extLst>
+          </a:blip>
+          <a:stretch>
+            <a:fillRect/>
+          </a:stretch>
+        </p:blipFill>
+        <p:spPr>
+          <a:xfrm>
+            <a:off x="677334" y="5958682"/>
+            <a:ext cx="1065741" cy="625738"/>
+          </a:xfrm>
+          <a:prstGeom prst="rect">
+            <a:avLst/>
+          </a:prstGeom>
+        </p:spPr>
+      </p:pic>
     </p:spTree>
     <p:extLst>
       <p:ext uri="{BB962C8B-B14F-4D97-AF65-F5344CB8AC3E}">
@@ -6213,6 +6377,42 @@
           </a:p>
         </p:txBody>
       </p:sp>
+      <p:pic>
+        <p:nvPicPr>
+          <p:cNvPr id="4" name="Image 3">
+            <a:extLst>
+              <a:ext uri="{FF2B5EF4-FFF2-40B4-BE49-F238E27FC236}">
+                <a16:creationId xmlns:a16="http://schemas.microsoft.com/office/drawing/2014/main" id="{00D530B6-A690-45F4-A0BC-666D72B780DA}"/>
+              </a:ext>
+            </a:extLst>
+          </p:cNvPr>
+          <p:cNvPicPr>
+            <a:picLocks noChangeAspect="1"/>
+          </p:cNvPicPr>
+          <p:nvPr/>
+        </p:nvPicPr>
+        <p:blipFill>
+          <a:blip r:embed="rId2">
+            <a:extLst>
+              <a:ext uri="{28A0092B-C50C-407E-A947-70E740481C1C}">
+                <a14:useLocalDpi xmlns:a14="http://schemas.microsoft.com/office/drawing/2010/main" val="0"/>
+              </a:ext>
+            </a:extLst>
+          </a:blip>
+          <a:stretch>
+            <a:fillRect/>
+          </a:stretch>
+        </p:blipFill>
+        <p:spPr>
+          <a:xfrm>
+            <a:off x="677334" y="5958682"/>
+            <a:ext cx="1065741" cy="625738"/>
+          </a:xfrm>
+          <a:prstGeom prst="rect">
+            <a:avLst/>
+          </a:prstGeom>
+        </p:spPr>
+      </p:pic>
     </p:spTree>
     <p:extLst>
       <p:ext uri="{BB962C8B-B14F-4D97-AF65-F5344CB8AC3E}">
@@ -6327,6 +6527,42 @@
           </a:p>
         </p:txBody>
       </p:sp>
+      <p:pic>
+        <p:nvPicPr>
+          <p:cNvPr id="4" name="Image 3">
+            <a:extLst>
+              <a:ext uri="{FF2B5EF4-FFF2-40B4-BE49-F238E27FC236}">
+                <a16:creationId xmlns:a16="http://schemas.microsoft.com/office/drawing/2014/main" id="{1772105A-6327-4099-9BC7-9DB5EA399D49}"/>
+              </a:ext>
+            </a:extLst>
+          </p:cNvPr>
+          <p:cNvPicPr>
+            <a:picLocks noChangeAspect="1"/>
+          </p:cNvPicPr>
+          <p:nvPr/>
+        </p:nvPicPr>
+        <p:blipFill>
+          <a:blip r:embed="rId2">
+            <a:extLst>
+              <a:ext uri="{28A0092B-C50C-407E-A947-70E740481C1C}">
+                <a14:useLocalDpi xmlns:a14="http://schemas.microsoft.com/office/drawing/2010/main" val="0"/>
+              </a:ext>
+            </a:extLst>
+          </a:blip>
+          <a:stretch>
+            <a:fillRect/>
+          </a:stretch>
+        </p:blipFill>
+        <p:spPr>
+          <a:xfrm>
+            <a:off x="677334" y="5958682"/>
+            <a:ext cx="1065741" cy="625738"/>
+          </a:xfrm>
+          <a:prstGeom prst="rect">
+            <a:avLst/>
+          </a:prstGeom>
+        </p:spPr>
+      </p:pic>
     </p:spTree>
     <p:extLst>
       <p:ext uri="{BB962C8B-B14F-4D97-AF65-F5344CB8AC3E}">
@@ -6421,6 +6657,42 @@
           </a:p>
         </p:txBody>
       </p:sp>
+      <p:pic>
+        <p:nvPicPr>
+          <p:cNvPr id="4" name="Image 3">
+            <a:extLst>
+              <a:ext uri="{FF2B5EF4-FFF2-40B4-BE49-F238E27FC236}">
+                <a16:creationId xmlns:a16="http://schemas.microsoft.com/office/drawing/2014/main" id="{131071C1-E26F-4A95-9C68-DC59065E842A}"/>
+              </a:ext>
+            </a:extLst>
+          </p:cNvPr>
+          <p:cNvPicPr>
+            <a:picLocks noChangeAspect="1"/>
+          </p:cNvPicPr>
+          <p:nvPr/>
+        </p:nvPicPr>
+        <p:blipFill>
+          <a:blip r:embed="rId2">
+            <a:extLst>
+              <a:ext uri="{28A0092B-C50C-407E-A947-70E740481C1C}">
+                <a14:useLocalDpi xmlns:a14="http://schemas.microsoft.com/office/drawing/2010/main" val="0"/>
+              </a:ext>
+            </a:extLst>
+          </a:blip>
+          <a:stretch>
+            <a:fillRect/>
+          </a:stretch>
+        </p:blipFill>
+        <p:spPr>
+          <a:xfrm>
+            <a:off x="677334" y="5958682"/>
+            <a:ext cx="1065741" cy="625738"/>
+          </a:xfrm>
+          <a:prstGeom prst="rect">
+            <a:avLst/>
+          </a:prstGeom>
+        </p:spPr>
+      </p:pic>
     </p:spTree>
     <p:extLst>
       <p:ext uri="{BB962C8B-B14F-4D97-AF65-F5344CB8AC3E}">
@@ -6873,6 +7145,42 @@
           </a:p>
         </p:txBody>
       </p:sp>
+      <p:pic>
+        <p:nvPicPr>
+          <p:cNvPr id="13" name="Image 12">
+            <a:extLst>
+              <a:ext uri="{FF2B5EF4-FFF2-40B4-BE49-F238E27FC236}">
+                <a16:creationId xmlns:a16="http://schemas.microsoft.com/office/drawing/2014/main" id="{E562A4D6-CC95-4A21-819E-87819CCE10C7}"/>
+              </a:ext>
+            </a:extLst>
+          </p:cNvPr>
+          <p:cNvPicPr>
+            <a:picLocks noChangeAspect="1"/>
+          </p:cNvPicPr>
+          <p:nvPr/>
+        </p:nvPicPr>
+        <p:blipFill>
+          <a:blip r:embed="rId9">
+            <a:extLst>
+              <a:ext uri="{28A0092B-C50C-407E-A947-70E740481C1C}">
+                <a14:useLocalDpi xmlns:a14="http://schemas.microsoft.com/office/drawing/2010/main" val="0"/>
+              </a:ext>
+            </a:extLst>
+          </a:blip>
+          <a:stretch>
+            <a:fillRect/>
+          </a:stretch>
+        </p:blipFill>
+        <p:spPr>
+          <a:xfrm>
+            <a:off x="677334" y="5958682"/>
+            <a:ext cx="1065741" cy="625738"/>
+          </a:xfrm>
+          <a:prstGeom prst="rect">
+            <a:avLst/>
+          </a:prstGeom>
+        </p:spPr>
+      </p:pic>
     </p:spTree>
     <p:extLst>
       <p:ext uri="{BB962C8B-B14F-4D97-AF65-F5344CB8AC3E}">
@@ -7347,6 +7655,42 @@
           </a:p>
         </p:txBody>
       </p:sp>
+      <p:pic>
+        <p:nvPicPr>
+          <p:cNvPr id="11" name="Image 10">
+            <a:extLst>
+              <a:ext uri="{FF2B5EF4-FFF2-40B4-BE49-F238E27FC236}">
+                <a16:creationId xmlns:a16="http://schemas.microsoft.com/office/drawing/2014/main" id="{60D95A03-ED04-4056-9532-6D578A3E1999}"/>
+              </a:ext>
+            </a:extLst>
+          </p:cNvPr>
+          <p:cNvPicPr>
+            <a:picLocks noChangeAspect="1"/>
+          </p:cNvPicPr>
+          <p:nvPr/>
+        </p:nvPicPr>
+        <p:blipFill>
+          <a:blip r:embed="rId4">
+            <a:extLst>
+              <a:ext uri="{28A0092B-C50C-407E-A947-70E740481C1C}">
+                <a14:useLocalDpi xmlns:a14="http://schemas.microsoft.com/office/drawing/2010/main" val="0"/>
+              </a:ext>
+            </a:extLst>
+          </a:blip>
+          <a:stretch>
+            <a:fillRect/>
+          </a:stretch>
+        </p:blipFill>
+        <p:spPr>
+          <a:xfrm>
+            <a:off x="677334" y="5958682"/>
+            <a:ext cx="1065741" cy="625738"/>
+          </a:xfrm>
+          <a:prstGeom prst="rect">
+            <a:avLst/>
+          </a:prstGeom>
+        </p:spPr>
+      </p:pic>
     </p:spTree>
     <p:extLst>
       <p:ext uri="{BB962C8B-B14F-4D97-AF65-F5344CB8AC3E}">
@@ -7481,6 +7825,42 @@
           <a:xfrm>
             <a:off x="3619461" y="3203158"/>
             <a:ext cx="2712414" cy="2645905"/>
+          </a:xfrm>
+          <a:prstGeom prst="rect">
+            <a:avLst/>
+          </a:prstGeom>
+        </p:spPr>
+      </p:pic>
+      <p:pic>
+        <p:nvPicPr>
+          <p:cNvPr id="5" name="Image 4">
+            <a:extLst>
+              <a:ext uri="{FF2B5EF4-FFF2-40B4-BE49-F238E27FC236}">
+                <a16:creationId xmlns:a16="http://schemas.microsoft.com/office/drawing/2014/main" id="{0CF289F5-8719-46FA-ABFB-5288B8D62A13}"/>
+              </a:ext>
+            </a:extLst>
+          </p:cNvPr>
+          <p:cNvPicPr>
+            <a:picLocks noChangeAspect="1"/>
+          </p:cNvPicPr>
+          <p:nvPr/>
+        </p:nvPicPr>
+        <p:blipFill>
+          <a:blip r:embed="rId3">
+            <a:extLst>
+              <a:ext uri="{28A0092B-C50C-407E-A947-70E740481C1C}">
+                <a14:useLocalDpi xmlns:a14="http://schemas.microsoft.com/office/drawing/2010/main" val="0"/>
+              </a:ext>
+            </a:extLst>
+          </a:blip>
+          <a:stretch>
+            <a:fillRect/>
+          </a:stretch>
+        </p:blipFill>
+        <p:spPr>
+          <a:xfrm>
+            <a:off x="677334" y="5958682"/>
+            <a:ext cx="1065741" cy="625738"/>
           </a:xfrm>
           <a:prstGeom prst="rect">
             <a:avLst/>
@@ -7683,6 +8063,42 @@
           </a:p>
         </p:txBody>
       </p:sp>
+      <p:pic>
+        <p:nvPicPr>
+          <p:cNvPr id="4" name="Image 3">
+            <a:extLst>
+              <a:ext uri="{FF2B5EF4-FFF2-40B4-BE49-F238E27FC236}">
+                <a16:creationId xmlns:a16="http://schemas.microsoft.com/office/drawing/2014/main" id="{16EF729A-028E-4370-BA6B-02EA4228858D}"/>
+              </a:ext>
+            </a:extLst>
+          </p:cNvPr>
+          <p:cNvPicPr>
+            <a:picLocks noChangeAspect="1"/>
+          </p:cNvPicPr>
+          <p:nvPr/>
+        </p:nvPicPr>
+        <p:blipFill>
+          <a:blip r:embed="rId2">
+            <a:extLst>
+              <a:ext uri="{28A0092B-C50C-407E-A947-70E740481C1C}">
+                <a14:useLocalDpi xmlns:a14="http://schemas.microsoft.com/office/drawing/2010/main" val="0"/>
+              </a:ext>
+            </a:extLst>
+          </a:blip>
+          <a:stretch>
+            <a:fillRect/>
+          </a:stretch>
+        </p:blipFill>
+        <p:spPr>
+          <a:xfrm>
+            <a:off x="677334" y="5958682"/>
+            <a:ext cx="1065741" cy="625738"/>
+          </a:xfrm>
+          <a:prstGeom prst="rect">
+            <a:avLst/>
+          </a:prstGeom>
+        </p:spPr>
+      </p:pic>
     </p:spTree>
     <p:extLst>
       <p:ext uri="{BB962C8B-B14F-4D97-AF65-F5344CB8AC3E}">
@@ -7934,6 +8350,42 @@
           <a:xfrm>
             <a:off x="4003911" y="3909504"/>
             <a:ext cx="640800" cy="640800"/>
+          </a:xfrm>
+          <a:prstGeom prst="rect">
+            <a:avLst/>
+          </a:prstGeom>
+        </p:spPr>
+      </p:pic>
+      <p:pic>
+        <p:nvPicPr>
+          <p:cNvPr id="8" name="Image 7">
+            <a:extLst>
+              <a:ext uri="{FF2B5EF4-FFF2-40B4-BE49-F238E27FC236}">
+                <a16:creationId xmlns:a16="http://schemas.microsoft.com/office/drawing/2014/main" id="{A40A83C0-3FB0-4634-A372-4A490F0B7F0C}"/>
+              </a:ext>
+            </a:extLst>
+          </p:cNvPr>
+          <p:cNvPicPr>
+            <a:picLocks noChangeAspect="1"/>
+          </p:cNvPicPr>
+          <p:nvPr/>
+        </p:nvPicPr>
+        <p:blipFill>
+          <a:blip r:embed="rId6">
+            <a:extLst>
+              <a:ext uri="{28A0092B-C50C-407E-A947-70E740481C1C}">
+                <a14:useLocalDpi xmlns:a14="http://schemas.microsoft.com/office/drawing/2010/main" val="0"/>
+              </a:ext>
+            </a:extLst>
+          </a:blip>
+          <a:stretch>
+            <a:fillRect/>
+          </a:stretch>
+        </p:blipFill>
+        <p:spPr>
+          <a:xfrm>
+            <a:off x="677334" y="5958682"/>
+            <a:ext cx="1065741" cy="625738"/>
           </a:xfrm>
           <a:prstGeom prst="rect">
             <a:avLst/>
@@ -8256,6 +8708,42 @@
           </a:p>
         </p:txBody>
       </p:sp>
+      <p:pic>
+        <p:nvPicPr>
+          <p:cNvPr id="4" name="Image 3">
+            <a:extLst>
+              <a:ext uri="{FF2B5EF4-FFF2-40B4-BE49-F238E27FC236}">
+                <a16:creationId xmlns:a16="http://schemas.microsoft.com/office/drawing/2014/main" id="{246BF6C4-6A2D-4F6D-A601-940E2A80464B}"/>
+              </a:ext>
+            </a:extLst>
+          </p:cNvPr>
+          <p:cNvPicPr>
+            <a:picLocks noChangeAspect="1"/>
+          </p:cNvPicPr>
+          <p:nvPr/>
+        </p:nvPicPr>
+        <p:blipFill>
+          <a:blip r:embed="rId2">
+            <a:extLst>
+              <a:ext uri="{28A0092B-C50C-407E-A947-70E740481C1C}">
+                <a14:useLocalDpi xmlns:a14="http://schemas.microsoft.com/office/drawing/2010/main" val="0"/>
+              </a:ext>
+            </a:extLst>
+          </a:blip>
+          <a:stretch>
+            <a:fillRect/>
+          </a:stretch>
+        </p:blipFill>
+        <p:spPr>
+          <a:xfrm>
+            <a:off x="677334" y="5958682"/>
+            <a:ext cx="1065741" cy="625738"/>
+          </a:xfrm>
+          <a:prstGeom prst="rect">
+            <a:avLst/>
+          </a:prstGeom>
+        </p:spPr>
+      </p:pic>
     </p:spTree>
     <p:extLst>
       <p:ext uri="{BB962C8B-B14F-4D97-AF65-F5344CB8AC3E}">
